--- a/0 발표용 파워포인트/0313 2차발표/0313 project04 - 파워포인트 - 기범.pptx
+++ b/0 발표용 파워포인트/0313 2차발표/0313 project04 - 파워포인트 - 기범.pptx
@@ -121,7 +121,7 @@
   </p:defaultTextStyle>
   <p:extLst>
     <p:ext uri="{EFAFB233-063F-42B5-8137-9DF3F51BA10A}">
-      <p15:sldGuideLst xmlns:p15="http://schemas.microsoft.com/office/powerpoint/2012/main">
+      <p15:sldGuideLst xmlns:p15="http://schemas.microsoft.com/office/powerpoint/2012/main" xmlns="">
         <p15:guide id="1" orient="horz" pos="2160">
           <p15:clr>
             <a:srgbClr val="A4A3A4"/>
@@ -17672,7 +17672,7 @@
         </p:blipFill>
         <p:spPr>
           <a:xfrm>
-            <a:off x="4429126" y="1221774"/>
+            <a:off x="4429126" y="1793279"/>
             <a:ext cx="7534275" cy="4381500"/>
           </a:xfrm>
           <a:prstGeom prst="rect">
@@ -21283,7 +21283,7 @@
   <a:extraClrSchemeLst/>
   <a:extLst>
     <a:ext uri="{05A4C25C-085E-4340-85A3-A5531E510DB2}">
-      <thm15:themeFamily xmlns:thm15="http://schemas.microsoft.com/office/thememl/2012/main" name="Office Theme" id="{62F939B6-93AF-4DB8-9C6B-D6C7DFDC589F}" vid="{4A3C46E8-61CC-4603-A589-7422A47A8E4A}"/>
+      <thm15:themeFamily xmlns:thm15="http://schemas.microsoft.com/office/thememl/2012/main" xmlns="" name="Office Theme" id="{62F939B6-93AF-4DB8-9C6B-D6C7DFDC589F}" vid="{4A3C46E8-61CC-4603-A589-7422A47A8E4A}"/>
     </a:ext>
   </a:extLst>
 </a:theme>
@@ -21544,7 +21544,7 @@
   <a:extraClrSchemeLst/>
   <a:extLst>
     <a:ext uri="{05A4C25C-085E-4340-85A3-A5531E510DB2}">
-      <thm15:themeFamily xmlns:thm15="http://schemas.microsoft.com/office/thememl/2012/main" name="Office Theme" id="{62F939B6-93AF-4DB8-9C6B-D6C7DFDC589F}" vid="{4A3C46E8-61CC-4603-A589-7422A47A8E4A}"/>
+      <thm15:themeFamily xmlns:thm15="http://schemas.microsoft.com/office/thememl/2012/main" xmlns="" name="Office Theme" id="{62F939B6-93AF-4DB8-9C6B-D6C7DFDC589F}" vid="{4A3C46E8-61CC-4603-A589-7422A47A8E4A}"/>
     </a:ext>
   </a:extLst>
 </a:theme>

--- a/0 발표용 파워포인트/0313 2차발표/0313 project04 - 파워포인트 - 기범.pptx
+++ b/0 발표용 파워포인트/0313 2차발표/0313 project04 - 파워포인트 - 기범.pptx
@@ -121,7 +121,7 @@
   </p:defaultTextStyle>
   <p:extLst>
     <p:ext uri="{EFAFB233-063F-42B5-8137-9DF3F51BA10A}">
-      <p15:sldGuideLst xmlns:p15="http://schemas.microsoft.com/office/powerpoint/2012/main" xmlns="">
+      <p15:sldGuideLst xmlns:p15="http://schemas.microsoft.com/office/powerpoint/2012/main">
         <p15:guide id="1" orient="horz" pos="2160">
           <p15:clr>
             <a:srgbClr val="A4A3A4"/>
@@ -11739,7 +11739,7 @@
       </p:grpSpPr>
       <p:pic>
         <p:nvPicPr>
-          <p:cNvPr id="4" name="그림 3"/>
+          <p:cNvPr id="5" name="그림 4"/>
           <p:cNvPicPr>
             <a:picLocks noChangeAspect="1"/>
           </p:cNvPicPr>
@@ -11753,8 +11753,8 @@
         </p:blipFill>
         <p:spPr>
           <a:xfrm>
-            <a:off x="0" y="163082"/>
-            <a:ext cx="8181975" cy="6334125"/>
+            <a:off x="135667" y="241986"/>
+            <a:ext cx="7867650" cy="6324600"/>
           </a:xfrm>
           <a:prstGeom prst="rect">
             <a:avLst/>
@@ -11803,6 +11803,102 @@
           <a:xfrm>
             <a:off x="4957118" y="1529019"/>
             <a:ext cx="6858000" cy="504825"/>
+          </a:xfrm>
+          <a:prstGeom prst="rect">
+            <a:avLst/>
+          </a:prstGeom>
+        </p:spPr>
+      </p:pic>
+      <p:pic>
+        <p:nvPicPr>
+          <p:cNvPr id="6" name="그림 5"/>
+          <p:cNvPicPr>
+            <a:picLocks noChangeAspect="1"/>
+          </p:cNvPicPr>
+          <p:nvPr/>
+        </p:nvPicPr>
+        <p:blipFill>
+          <a:blip r:embed="rId5"/>
+          <a:stretch>
+            <a:fillRect/>
+          </a:stretch>
+        </p:blipFill>
+        <p:spPr>
+          <a:xfrm>
+            <a:off x="780406" y="1561068"/>
+            <a:ext cx="9725025" cy="4419600"/>
+          </a:xfrm>
+          <a:prstGeom prst="rect">
+            <a:avLst/>
+          </a:prstGeom>
+        </p:spPr>
+      </p:pic>
+      <p:pic>
+        <p:nvPicPr>
+          <p:cNvPr id="7" name="그림 6"/>
+          <p:cNvPicPr>
+            <a:picLocks noChangeAspect="1"/>
+          </p:cNvPicPr>
+          <p:nvPr/>
+        </p:nvPicPr>
+        <p:blipFill>
+          <a:blip r:embed="rId6"/>
+          <a:stretch>
+            <a:fillRect/>
+          </a:stretch>
+        </p:blipFill>
+        <p:spPr>
+          <a:xfrm>
+            <a:off x="1310331" y="3625678"/>
+            <a:ext cx="7429500" cy="2209800"/>
+          </a:xfrm>
+          <a:prstGeom prst="rect">
+            <a:avLst/>
+          </a:prstGeom>
+        </p:spPr>
+      </p:pic>
+      <p:pic>
+        <p:nvPicPr>
+          <p:cNvPr id="8" name="그림 7"/>
+          <p:cNvPicPr>
+            <a:picLocks noChangeAspect="1"/>
+          </p:cNvPicPr>
+          <p:nvPr/>
+        </p:nvPicPr>
+        <p:blipFill>
+          <a:blip r:embed="rId7"/>
+          <a:stretch>
+            <a:fillRect/>
+          </a:stretch>
+        </p:blipFill>
+        <p:spPr>
+          <a:xfrm>
+            <a:off x="2700595" y="853903"/>
+            <a:ext cx="8982075" cy="5543550"/>
+          </a:xfrm>
+          <a:prstGeom prst="rect">
+            <a:avLst/>
+          </a:prstGeom>
+        </p:spPr>
+      </p:pic>
+      <p:pic>
+        <p:nvPicPr>
+          <p:cNvPr id="9" name="그림 8"/>
+          <p:cNvPicPr>
+            <a:picLocks noChangeAspect="1"/>
+          </p:cNvPicPr>
+          <p:nvPr/>
+        </p:nvPicPr>
+        <p:blipFill>
+          <a:blip r:embed="rId8"/>
+          <a:stretch>
+            <a:fillRect/>
+          </a:stretch>
+        </p:blipFill>
+        <p:spPr>
+          <a:xfrm>
+            <a:off x="540029" y="2158440"/>
+            <a:ext cx="5019675" cy="2066925"/>
           </a:xfrm>
           <a:prstGeom prst="rect">
             <a:avLst/>
@@ -11899,6 +11995,186 @@
                                         </p:cTn>
                                         <p:tgtEl>
                                           <p:spTgt spid="3"/>
+                                        </p:tgtEl>
+                                        <p:attrNameLst>
+                                          <p:attrName>style.visibility</p:attrName>
+                                        </p:attrNameLst>
+                                      </p:cBhvr>
+                                      <p:to>
+                                        <p:strVal val="visible"/>
+                                      </p:to>
+                                    </p:set>
+                                  </p:childTnLst>
+                                </p:cTn>
+                              </p:par>
+                            </p:childTnLst>
+                          </p:cTn>
+                        </p:par>
+                      </p:childTnLst>
+                    </p:cTn>
+                  </p:par>
+                  <p:par>
+                    <p:cTn id="11" fill="hold">
+                      <p:stCondLst>
+                        <p:cond delay="indefinite"/>
+                      </p:stCondLst>
+                      <p:childTnLst>
+                        <p:par>
+                          <p:cTn id="12" fill="hold">
+                            <p:stCondLst>
+                              <p:cond delay="0"/>
+                            </p:stCondLst>
+                            <p:childTnLst>
+                              <p:par>
+                                <p:cTn id="13" presetID="1" presetClass="entr" presetSubtype="0" fill="hold" nodeType="clickEffect">
+                                  <p:stCondLst>
+                                    <p:cond delay="0"/>
+                                  </p:stCondLst>
+                                  <p:childTnLst>
+                                    <p:set>
+                                      <p:cBhvr>
+                                        <p:cTn id="14" dur="1" fill="hold">
+                                          <p:stCondLst>
+                                            <p:cond delay="0"/>
+                                          </p:stCondLst>
+                                        </p:cTn>
+                                        <p:tgtEl>
+                                          <p:spTgt spid="6"/>
+                                        </p:tgtEl>
+                                        <p:attrNameLst>
+                                          <p:attrName>style.visibility</p:attrName>
+                                        </p:attrNameLst>
+                                      </p:cBhvr>
+                                      <p:to>
+                                        <p:strVal val="visible"/>
+                                      </p:to>
+                                    </p:set>
+                                  </p:childTnLst>
+                                </p:cTn>
+                              </p:par>
+                            </p:childTnLst>
+                          </p:cTn>
+                        </p:par>
+                      </p:childTnLst>
+                    </p:cTn>
+                  </p:par>
+                  <p:par>
+                    <p:cTn id="15" fill="hold">
+                      <p:stCondLst>
+                        <p:cond delay="indefinite"/>
+                      </p:stCondLst>
+                      <p:childTnLst>
+                        <p:par>
+                          <p:cTn id="16" fill="hold">
+                            <p:stCondLst>
+                              <p:cond delay="0"/>
+                            </p:stCondLst>
+                            <p:childTnLst>
+                              <p:par>
+                                <p:cTn id="17" presetID="1" presetClass="entr" presetSubtype="0" fill="hold" nodeType="clickEffect">
+                                  <p:stCondLst>
+                                    <p:cond delay="0"/>
+                                  </p:stCondLst>
+                                  <p:childTnLst>
+                                    <p:set>
+                                      <p:cBhvr>
+                                        <p:cTn id="18" dur="1" fill="hold">
+                                          <p:stCondLst>
+                                            <p:cond delay="0"/>
+                                          </p:stCondLst>
+                                        </p:cTn>
+                                        <p:tgtEl>
+                                          <p:spTgt spid="7"/>
+                                        </p:tgtEl>
+                                        <p:attrNameLst>
+                                          <p:attrName>style.visibility</p:attrName>
+                                        </p:attrNameLst>
+                                      </p:cBhvr>
+                                      <p:to>
+                                        <p:strVal val="visible"/>
+                                      </p:to>
+                                    </p:set>
+                                  </p:childTnLst>
+                                </p:cTn>
+                              </p:par>
+                            </p:childTnLst>
+                          </p:cTn>
+                        </p:par>
+                      </p:childTnLst>
+                    </p:cTn>
+                  </p:par>
+                  <p:par>
+                    <p:cTn id="19" fill="hold">
+                      <p:stCondLst>
+                        <p:cond delay="indefinite"/>
+                      </p:stCondLst>
+                      <p:childTnLst>
+                        <p:par>
+                          <p:cTn id="20" fill="hold">
+                            <p:stCondLst>
+                              <p:cond delay="0"/>
+                            </p:stCondLst>
+                            <p:childTnLst>
+                              <p:par>
+                                <p:cTn id="21" presetID="1" presetClass="entr" presetSubtype="0" fill="hold" nodeType="clickEffect">
+                                  <p:stCondLst>
+                                    <p:cond delay="0"/>
+                                  </p:stCondLst>
+                                  <p:childTnLst>
+                                    <p:set>
+                                      <p:cBhvr>
+                                        <p:cTn id="22" dur="1" fill="hold">
+                                          <p:stCondLst>
+                                            <p:cond delay="0"/>
+                                          </p:stCondLst>
+                                        </p:cTn>
+                                        <p:tgtEl>
+                                          <p:spTgt spid="8"/>
+                                        </p:tgtEl>
+                                        <p:attrNameLst>
+                                          <p:attrName>style.visibility</p:attrName>
+                                        </p:attrNameLst>
+                                      </p:cBhvr>
+                                      <p:to>
+                                        <p:strVal val="visible"/>
+                                      </p:to>
+                                    </p:set>
+                                  </p:childTnLst>
+                                </p:cTn>
+                              </p:par>
+                            </p:childTnLst>
+                          </p:cTn>
+                        </p:par>
+                      </p:childTnLst>
+                    </p:cTn>
+                  </p:par>
+                  <p:par>
+                    <p:cTn id="23" fill="hold">
+                      <p:stCondLst>
+                        <p:cond delay="indefinite"/>
+                      </p:stCondLst>
+                      <p:childTnLst>
+                        <p:par>
+                          <p:cTn id="24" fill="hold">
+                            <p:stCondLst>
+                              <p:cond delay="0"/>
+                            </p:stCondLst>
+                            <p:childTnLst>
+                              <p:par>
+                                <p:cTn id="25" presetID="1" presetClass="entr" presetSubtype="0" fill="hold" nodeType="clickEffect">
+                                  <p:stCondLst>
+                                    <p:cond delay="0"/>
+                                  </p:stCondLst>
+                                  <p:childTnLst>
+                                    <p:set>
+                                      <p:cBhvr>
+                                        <p:cTn id="26" dur="1" fill="hold">
+                                          <p:stCondLst>
+                                            <p:cond delay="0"/>
+                                          </p:stCondLst>
+                                        </p:cTn>
+                                        <p:tgtEl>
+                                          <p:spTgt spid="9"/>
                                         </p:tgtEl>
                                         <p:attrNameLst>
                                           <p:attrName>style.visibility</p:attrName>
@@ -21283,7 +21559,7 @@
   <a:extraClrSchemeLst/>
   <a:extLst>
     <a:ext uri="{05A4C25C-085E-4340-85A3-A5531E510DB2}">
-      <thm15:themeFamily xmlns:thm15="http://schemas.microsoft.com/office/thememl/2012/main" xmlns="" name="Office Theme" id="{62F939B6-93AF-4DB8-9C6B-D6C7DFDC589F}" vid="{4A3C46E8-61CC-4603-A589-7422A47A8E4A}"/>
+      <thm15:themeFamily xmlns:thm15="http://schemas.microsoft.com/office/thememl/2012/main" name="Office Theme" id="{62F939B6-93AF-4DB8-9C6B-D6C7DFDC589F}" vid="{4A3C46E8-61CC-4603-A589-7422A47A8E4A}"/>
     </a:ext>
   </a:extLst>
 </a:theme>
@@ -21544,7 +21820,7 @@
   <a:extraClrSchemeLst/>
   <a:extLst>
     <a:ext uri="{05A4C25C-085E-4340-85A3-A5531E510DB2}">
-      <thm15:themeFamily xmlns:thm15="http://schemas.microsoft.com/office/thememl/2012/main" xmlns="" name="Office Theme" id="{62F939B6-93AF-4DB8-9C6B-D6C7DFDC589F}" vid="{4A3C46E8-61CC-4603-A589-7422A47A8E4A}"/>
+      <thm15:themeFamily xmlns:thm15="http://schemas.microsoft.com/office/thememl/2012/main" name="Office Theme" id="{62F939B6-93AF-4DB8-9C6B-D6C7DFDC589F}" vid="{4A3C46E8-61CC-4603-A589-7422A47A8E4A}"/>
     </a:ext>
   </a:extLst>
 </a:theme>
